--- a/spring13/slides13/ranvar-expect-fail.pptx
+++ b/spring13/slides13/ranvar-expect-fail.pptx
@@ -4292,7 +4292,7 @@
           <a:graphicData uri="http://schemas.openxmlformats.org/presentationml/2006/ole">
             <mc:AlternateContent xmlns:mc="http://schemas.openxmlformats.org/markup-compatibility/2006">
               <mc:Choice xmlns:v="urn:schemas-microsoft-com:vml" Requires="v">
-                <p:oleObj spid="_x0000_s562233" name="Equation" r:id="rId4" imgW="152400" imgH="508000" progId="Equation.DSMT4">
+                <p:oleObj spid="_x0000_s562235" name="Equation" r:id="rId4" imgW="152400" imgH="508000" progId="Equation.DSMT4">
                   <p:embed/>
                 </p:oleObj>
               </mc:Choice>
@@ -5048,7 +5048,7 @@
           <a:graphicData uri="http://schemas.openxmlformats.org/presentationml/2006/ole">
             <mc:AlternateContent xmlns:mc="http://schemas.openxmlformats.org/markup-compatibility/2006">
               <mc:Choice xmlns:v="urn:schemas-microsoft-com:vml" Requires="v">
-                <p:oleObj spid="_x0000_s567301" name="Equation" r:id="rId4" imgW="177800" imgH="165100" progId="Equation.DSMT4">
+                <p:oleObj spid="_x0000_s567303" name="Equation" r:id="rId4" imgW="177800" imgH="165100" progId="Equation.DSMT4">
                   <p:embed/>
                 </p:oleObj>
               </mc:Choice>
@@ -5417,13 +5417,13 @@
   <p:clrMapOvr>
     <a:masterClrMapping/>
   </p:clrMapOvr>
-  <mc:AlternateContent xmlns:mc="http://schemas.openxmlformats.org/markup-compatibility/2006">
-    <mc:Choice xmlns:p14="http://schemas.microsoft.com/office/powerpoint/2010/main" Requires="p14">
+  <mc:AlternateContent xmlns:mc="http://schemas.openxmlformats.org/markup-compatibility/2006" xmlns:p14="http://schemas.microsoft.com/office/powerpoint/2010/main">
+    <mc:Choice Requires="p14">
       <p:transition spd="slow" p14:dur="1200" advClick="0">
         <p:fade thruBlk="1"/>
       </p:transition>
     </mc:Choice>
-    <mc:Fallback>
+    <mc:Fallback xmlns="">
       <p:transition xmlns:p14="http://schemas.microsoft.com/office/powerpoint/2010/main" spd="slow" advClick="0">
         <p:fade thruBlk="1"/>
       </p:transition>
@@ -6275,7 +6275,7 @@
           <a:graphicData uri="http://schemas.openxmlformats.org/presentationml/2006/ole">
             <mc:AlternateContent xmlns:mc="http://schemas.openxmlformats.org/markup-compatibility/2006">
               <mc:Choice xmlns:v="urn:schemas-microsoft-com:vml" Requires="v">
-                <p:oleObj spid="_x0000_s221249" name="Equation" r:id="rId4" imgW="914400" imgH="220320" progId="Equation.DSMT4">
+                <p:oleObj spid="_x0000_s221251" name="Equation" r:id="rId4" imgW="914400" imgH="220320" progId="Equation.DSMT4">
                   <p:embed/>
                 </p:oleObj>
               </mc:Choice>
@@ -7107,16 +7107,7 @@
                 </a:solidFill>
                 <a:latin typeface="Comic Sans MS" pitchFamily="66" charset="0"/>
               </a:rPr>
-              <a:t>E</a:t>
-            </a:r>
-            <a:r>
-              <a:rPr lang="en-US" sz="4400" i="0" dirty="0" smtClean="0">
-                <a:solidFill>
-                  <a:srgbClr val="0000FF"/>
-                </a:solidFill>
-                <a:latin typeface="Comic Sans MS" pitchFamily="66" charset="0"/>
-              </a:rPr>
-              <a:t>[</a:t>
+              <a:t>E[</a:t>
             </a:r>
             <a:r>
               <a:rPr lang="en-US" sz="4400" i="0" dirty="0" smtClean="0">
@@ -7224,7 +7215,7 @@
           <a:graphicData uri="http://schemas.openxmlformats.org/presentationml/2006/ole">
             <mc:AlternateContent xmlns:mc="http://schemas.openxmlformats.org/markup-compatibility/2006">
               <mc:Choice xmlns:v="urn:schemas-microsoft-com:vml" Requires="v">
-                <p:oleObj spid="_x0000_s223298" name="Equation" r:id="rId4" imgW="914400" imgH="220320" progId="Equation.DSMT4">
+                <p:oleObj spid="_x0000_s223300" name="Equation" r:id="rId4" imgW="914400" imgH="220320" progId="Equation.DSMT4">
                   <p:embed/>
                 </p:oleObj>
               </mc:Choice>
@@ -8059,25 +8050,7 @@
                 </a:solidFill>
                 <a:latin typeface="Comic Sans MS" pitchFamily="66" charset="0"/>
               </a:rPr>
-              <a:t> </a:t>
-            </a:r>
-            <a:r>
-              <a:rPr lang="en-US" sz="4400" i="0" dirty="0" smtClean="0">
-                <a:solidFill>
-                  <a:srgbClr val="0000FF"/>
-                </a:solidFill>
-                <a:latin typeface="Comic Sans MS" pitchFamily="66" charset="0"/>
-              </a:rPr>
-              <a:t>E</a:t>
-            </a:r>
-            <a:r>
-              <a:rPr lang="en-US" sz="4400" i="0" dirty="0" smtClean="0">
-                <a:solidFill>
-                  <a:srgbClr val="0000FF"/>
-                </a:solidFill>
-                <a:latin typeface="Comic Sans MS" pitchFamily="66" charset="0"/>
-              </a:rPr>
-              <a:t>[</a:t>
+              <a:t> E[</a:t>
             </a:r>
             <a:r>
               <a:rPr lang="en-US" sz="4400" i="0" dirty="0" smtClean="0">
@@ -8194,7 +8167,7 @@
           <a:graphicData uri="http://schemas.openxmlformats.org/presentationml/2006/ole">
             <mc:AlternateContent xmlns:mc="http://schemas.openxmlformats.org/markup-compatibility/2006">
               <mc:Choice xmlns:v="urn:schemas-microsoft-com:vml" Requires="v">
-                <p:oleObj spid="_x0000_s568325" name="Equation" r:id="rId4" imgW="914400" imgH="220320" progId="Equation.DSMT4">
+                <p:oleObj spid="_x0000_s568327" name="Equation" r:id="rId4" imgW="914400" imgH="220320" progId="Equation.DSMT4">
                   <p:embed/>
                 </p:oleObj>
               </mc:Choice>
@@ -8417,7 +8390,7 @@
         <p:spPr>
           <a:xfrm>
             <a:off x="5529000" y="5791200"/>
-            <a:ext cx="2253704" cy="923330"/>
+            <a:ext cx="2203322" cy="923330"/>
           </a:xfrm>
           <a:prstGeom prst="rect">
             <a:avLst/>
@@ -8437,7 +8410,7 @@
                 </a:solidFill>
                 <a:latin typeface="+mj-lt"/>
               </a:rPr>
-              <a:t>1+</a:t>
+              <a:t>E</a:t>
             </a:r>
             <a:r>
               <a:rPr lang="en-US" sz="5400" i="0" dirty="0" smtClean="0">
@@ -8446,7 +8419,7 @@
                 </a:solidFill>
                 <a:latin typeface="+mj-lt"/>
               </a:rPr>
-              <a:t>E[</a:t>
+              <a:t>[</a:t>
             </a:r>
             <a:r>
               <a:rPr lang="en-US" sz="5400" i="0" dirty="0" smtClean="0">
@@ -8455,7 +8428,7 @@
                 </a:solidFill>
                 <a:latin typeface="+mj-lt"/>
               </a:rPr>
-              <a:t>F</a:t>
+              <a:t>F+1</a:t>
             </a:r>
             <a:r>
               <a:rPr lang="en-US" sz="5400" i="0" dirty="0" smtClean="0">
@@ -8673,16 +8646,7 @@
                 </a:solidFill>
                 <a:latin typeface="Comic Sans MS" pitchFamily="66" charset="0"/>
               </a:rPr>
-              <a:t>E</a:t>
-            </a:r>
-            <a:r>
-              <a:rPr lang="en-US" sz="4400" i="0" dirty="0" smtClean="0">
-                <a:solidFill>
-                  <a:srgbClr val="0000FF"/>
-                </a:solidFill>
-                <a:latin typeface="Comic Sans MS" pitchFamily="66" charset="0"/>
-              </a:rPr>
-              <a:t>[</a:t>
+              <a:t>E[</a:t>
             </a:r>
             <a:r>
               <a:rPr lang="en-US" sz="4400" i="0" dirty="0" smtClean="0">
@@ -9560,8 +9524,8 @@
         </p:nvSpPr>
         <p:spPr bwMode="auto">
           <a:xfrm>
-            <a:off x="993650" y="4774740"/>
-            <a:ext cx="7530159" cy="923330"/>
+            <a:off x="1050350" y="4774740"/>
+            <a:ext cx="7829068" cy="923330"/>
           </a:xfrm>
           <a:prstGeom prst="rect">
             <a:avLst/>
@@ -9614,13 +9578,22 @@
               <a:t>      </a:t>
             </a:r>
             <a:r>
+              <a:rPr lang="en-US" sz="4400" i="0" dirty="0" smtClean="0">
+                <a:solidFill>
+                  <a:srgbClr val="0000FF"/>
+                </a:solidFill>
+                <a:latin typeface="Comic Sans MS" pitchFamily="66" charset="0"/>
+              </a:rPr>
+              <a:t>   </a:t>
+            </a:r>
+            <a:r>
               <a:rPr lang="en-US" sz="5400" i="0" dirty="0" smtClean="0">
                 <a:solidFill>
                   <a:srgbClr val="0000FF"/>
                 </a:solidFill>
                 <a:latin typeface="Comic Sans MS" pitchFamily="66" charset="0"/>
               </a:rPr>
-              <a:t>p      </a:t>
+              <a:t>p   </a:t>
             </a:r>
             <a:r>
               <a:rPr lang="en-US" sz="5400" i="0" dirty="0" smtClean="0">
@@ -9667,7 +9640,25 @@
                 </a:solidFill>
                 <a:latin typeface="Comic Sans MS" pitchFamily="66" charset="0"/>
               </a:rPr>
-              <a:t>(1+ E[F])</a:t>
+              <a:t>  (E</a:t>
+            </a:r>
+            <a:r>
+              <a:rPr lang="en-US" sz="5400" i="0" dirty="0" smtClean="0">
+                <a:solidFill>
+                  <a:srgbClr val="3333FF"/>
+                </a:solidFill>
+                <a:latin typeface="Comic Sans MS" pitchFamily="66" charset="0"/>
+              </a:rPr>
+              <a:t>[F</a:t>
+            </a:r>
+            <a:r>
+              <a:rPr lang="en-US" sz="5400" i="0" dirty="0" smtClean="0">
+                <a:solidFill>
+                  <a:srgbClr val="3333FF"/>
+                </a:solidFill>
+                <a:latin typeface="Comic Sans MS" pitchFamily="66" charset="0"/>
+              </a:rPr>
+              <a:t>] +1)</a:t>
             </a:r>
             <a:r>
               <a:rPr lang="en-US" sz="4400" i="0" dirty="0" smtClean="0">
@@ -9724,7 +9715,7 @@
           <a:graphicData uri="http://schemas.openxmlformats.org/presentationml/2006/ole">
             <mc:AlternateContent xmlns:mc="http://schemas.openxmlformats.org/markup-compatibility/2006">
               <mc:Choice xmlns:v="urn:schemas-microsoft-com:vml" Requires="v">
-                <p:oleObj spid="_x0000_s225346" name="Equation" r:id="rId4" imgW="914400" imgH="220320" progId="Equation.DSMT4">
+                <p:oleObj spid="_x0000_s225348" name="Equation" r:id="rId4" imgW="914400" imgH="220320" progId="Equation.DSMT4">
                   <p:embed/>
                 </p:oleObj>
               </mc:Choice>
@@ -9790,7 +9781,7 @@
         </p:nvSpPr>
         <p:spPr>
           <a:xfrm>
-            <a:off x="7554913" y="6566625"/>
+            <a:off x="7616825" y="6613525"/>
             <a:ext cx="1527175" cy="244475"/>
           </a:xfrm>
           <a:prstGeom prst="rect">
@@ -10204,7 +10195,7 @@
           <a:graphicData uri="http://schemas.openxmlformats.org/presentationml/2006/ole">
             <mc:AlternateContent xmlns:mc="http://schemas.openxmlformats.org/markup-compatibility/2006">
               <mc:Choice xmlns:v="urn:schemas-microsoft-com:vml" Requires="v">
-                <p:oleObj spid="_x0000_s227394" name="Equation" r:id="rId4" imgW="152400" imgH="508000" progId="Equation.DSMT4">
+                <p:oleObj spid="_x0000_s227396" name="Equation" r:id="rId4" imgW="152400" imgH="508000" progId="Equation.DSMT4">
                   <p:embed/>
                 </p:oleObj>
               </mc:Choice>
@@ -11512,7 +11503,7 @@
           <a:graphicData uri="http://schemas.openxmlformats.org/presentationml/2006/ole">
             <mc:AlternateContent xmlns:mc="http://schemas.openxmlformats.org/markup-compatibility/2006">
               <mc:Choice xmlns:v="urn:schemas-microsoft-com:vml" Requires="v">
-                <p:oleObj spid="_x0000_s1040" name="Equation" r:id="rId4" imgW="723900" imgH="469900" progId="Equation.DSMT4">
+                <p:oleObj spid="_x0000_s1043" name="Equation" r:id="rId4" imgW="723900" imgH="469900" progId="Equation.DSMT4">
                   <p:embed/>
                 </p:oleObj>
               </mc:Choice>
@@ -11569,7 +11560,7 @@
           <a:graphicData uri="http://schemas.openxmlformats.org/presentationml/2006/ole">
             <mc:AlternateContent xmlns:mc="http://schemas.openxmlformats.org/markup-compatibility/2006">
               <mc:Choice xmlns:v="urn:schemas-microsoft-com:vml" Requires="v">
-                <p:oleObj spid="_x0000_s1041" name="Equation" r:id="rId6" imgW="673100" imgH="508000" progId="Equation.DSMT4">
+                <p:oleObj spid="_x0000_s1044" name="Equation" r:id="rId6" imgW="673100" imgH="508000" progId="Equation.DSMT4">
                   <p:embed/>
                 </p:oleObj>
               </mc:Choice>
@@ -13647,12 +13638,6 @@
               </a:rPr>
               <a:t>p  </a:t>
             </a:r>
-            <a:endParaRPr lang="en-US" sz="5400" i="0" dirty="0" smtClean="0">
-              <a:solidFill>
-                <a:srgbClr val="3333FF"/>
-              </a:solidFill>
-              <a:latin typeface="Comic Sans MS" pitchFamily="66" charset="0"/>
-            </a:endParaRPr>
           </a:p>
           <a:p>
             <a:r>
@@ -13836,13 +13821,13 @@
   <p:clrMapOvr>
     <a:masterClrMapping/>
   </p:clrMapOvr>
-  <mc:AlternateContent xmlns:mc="http://schemas.openxmlformats.org/markup-compatibility/2006">
-    <mc:Choice xmlns:p14="http://schemas.microsoft.com/office/powerpoint/2010/main" Requires="p14">
+  <mc:AlternateContent xmlns:mc="http://schemas.openxmlformats.org/markup-compatibility/2006" xmlns:p14="http://schemas.microsoft.com/office/powerpoint/2010/main">
+    <mc:Choice Requires="p14">
       <p:transition spd="med" p14:dur="610" advClick="0">
         <p:fade/>
       </p:transition>
     </mc:Choice>
-    <mc:Fallback>
+    <mc:Fallback xmlns="">
       <p:transition xmlns:p14="http://schemas.microsoft.com/office/powerpoint/2010/main" spd="med" advClick="0">
         <p:fade/>
       </p:transition>
@@ -14254,16 +14239,7 @@
                 </a:solidFill>
                 <a:latin typeface="Comic Sans MS" pitchFamily="66" charset="0"/>
               </a:rPr>
-              <a:t> </a:t>
-            </a:r>
-            <a:r>
-              <a:rPr lang="en-US" sz="6600" i="0" dirty="0" smtClean="0">
-                <a:solidFill>
-                  <a:srgbClr val="0000FF"/>
-                </a:solidFill>
-                <a:latin typeface="Comic Sans MS" pitchFamily="66" charset="0"/>
-              </a:rPr>
-              <a:t>       </a:t>
+              <a:t>        </a:t>
             </a:r>
             <a:r>
               <a:rPr lang="en-US" sz="6000" b="1" i="0" dirty="0" smtClean="0">
@@ -14282,16 +14258,7 @@
                 </a:solidFill>
                 <a:latin typeface="Comic Sans MS" pitchFamily="66" charset="0"/>
               </a:rPr>
-              <a:t> </a:t>
-            </a:r>
-            <a:r>
-              <a:rPr lang="en-US" sz="6000" i="0" dirty="0" smtClean="0">
-                <a:solidFill>
-                  <a:srgbClr val="0000FF"/>
-                </a:solidFill>
-                <a:latin typeface="Comic Sans MS" pitchFamily="66" charset="0"/>
-              </a:rPr>
-              <a:t>∑</a:t>
+              <a:t> ∑</a:t>
             </a:r>
             <a:r>
               <a:rPr lang="en-US" sz="6000" i="0" baseline="-25000" dirty="0" smtClean="0">
@@ -14370,16 +14337,7 @@
                 </a:solidFill>
                 <a:latin typeface="Comic Sans MS" pitchFamily="66" charset="0"/>
               </a:rPr>
-              <a:t>  </a:t>
-            </a:r>
-            <a:r>
-              <a:rPr lang="en-US" sz="6000" i="0" dirty="0" smtClean="0">
-                <a:solidFill>
-                  <a:srgbClr val="0000FF"/>
-                </a:solidFill>
-                <a:latin typeface="Comic Sans MS" pitchFamily="66" charset="0"/>
-              </a:rPr>
-              <a:t>       </a:t>
+              <a:t>         </a:t>
             </a:r>
             <a:r>
               <a:rPr lang="en-US" sz="6000" b="1" dirty="0" smtClean="0">
@@ -14398,16 +14356,7 @@
                 </a:solidFill>
                 <a:latin typeface="Comic Sans MS" pitchFamily="66" charset="0"/>
               </a:rPr>
-              <a:t> </a:t>
-            </a:r>
-            <a:r>
-              <a:rPr lang="en-US" sz="6000" i="0" dirty="0" smtClean="0">
-                <a:solidFill>
-                  <a:srgbClr val="0000FF"/>
-                </a:solidFill>
-                <a:latin typeface="Comic Sans MS" pitchFamily="66" charset="0"/>
-              </a:rPr>
-              <a:t>p ∑</a:t>
+              <a:t> p ∑</a:t>
             </a:r>
             <a:r>
               <a:rPr lang="en-US" sz="6000" i="0" baseline="-25000" dirty="0" smtClean="0">
@@ -14597,7 +14546,7 @@
           <a:graphicData uri="http://schemas.openxmlformats.org/presentationml/2006/ole">
             <mc:AlternateContent xmlns:mc="http://schemas.openxmlformats.org/markup-compatibility/2006">
               <mc:Choice xmlns:v="urn:schemas-microsoft-com:vml" Requires="v">
-                <p:oleObj spid="_x0000_s564230" name="Equation" r:id="rId4" imgW="939800" imgH="800100" progId="Equation.DSMT4">
+                <p:oleObj spid="_x0000_s564232" name="Equation" r:id="rId4" imgW="939800" imgH="800100" progId="Equation.DSMT4">
                   <p:embed/>
                 </p:oleObj>
               </mc:Choice>
@@ -15149,16 +15098,7 @@
                 </a:solidFill>
                 <a:latin typeface="Comic Sans MS" pitchFamily="66" charset="0"/>
               </a:rPr>
-              <a:t> </a:t>
-            </a:r>
-            <a:r>
-              <a:rPr lang="en-US" sz="6600" i="0" dirty="0" smtClean="0">
-                <a:solidFill>
-                  <a:srgbClr val="0000FF"/>
-                </a:solidFill>
-                <a:latin typeface="Comic Sans MS" pitchFamily="66" charset="0"/>
-              </a:rPr>
-              <a:t>       </a:t>
+              <a:t>        </a:t>
             </a:r>
             <a:r>
               <a:rPr lang="en-US" sz="6000" b="1" i="0" dirty="0" smtClean="0">
@@ -15177,16 +15117,7 @@
                 </a:solidFill>
                 <a:latin typeface="Comic Sans MS" pitchFamily="66" charset="0"/>
               </a:rPr>
-              <a:t> </a:t>
-            </a:r>
-            <a:r>
-              <a:rPr lang="en-US" sz="6000" i="0" dirty="0" smtClean="0">
-                <a:solidFill>
-                  <a:srgbClr val="0000FF"/>
-                </a:solidFill>
-                <a:latin typeface="Comic Sans MS" pitchFamily="66" charset="0"/>
-              </a:rPr>
-              <a:t>∑</a:t>
+              <a:t> ∑</a:t>
             </a:r>
             <a:r>
               <a:rPr lang="en-US" sz="6000" i="0" baseline="-25000" dirty="0" smtClean="0">
@@ -15265,16 +15196,7 @@
                 </a:solidFill>
                 <a:latin typeface="Comic Sans MS" pitchFamily="66" charset="0"/>
               </a:rPr>
-              <a:t>  </a:t>
-            </a:r>
-            <a:r>
-              <a:rPr lang="en-US" sz="6000" i="0" dirty="0" smtClean="0">
-                <a:solidFill>
-                  <a:srgbClr val="0000FF"/>
-                </a:solidFill>
-                <a:latin typeface="Comic Sans MS" pitchFamily="66" charset="0"/>
-              </a:rPr>
-              <a:t>        </a:t>
+              <a:t>          </a:t>
             </a:r>
             <a:endParaRPr lang="en-US" sz="6000" i="0" baseline="30000" dirty="0" smtClean="0">
               <a:solidFill>
@@ -15408,7 +15330,7 @@
           <a:graphicData uri="http://schemas.openxmlformats.org/presentationml/2006/ole">
             <mc:AlternateContent xmlns:mc="http://schemas.openxmlformats.org/markup-compatibility/2006">
               <mc:Choice xmlns:v="urn:schemas-microsoft-com:vml" Requires="v">
-                <p:oleObj spid="_x0000_s565252" name="Equation" r:id="rId4" imgW="838200" imgH="508000" progId="Equation.DSMT4">
+                <p:oleObj spid="_x0000_s565254" name="Equation" r:id="rId4" imgW="838200" imgH="508000" progId="Equation.DSMT4">
                   <p:embed/>
                 </p:oleObj>
               </mc:Choice>
@@ -15665,16 +15587,7 @@
                 </a:solidFill>
                 <a:latin typeface="Comic Sans MS" pitchFamily="66" charset="0"/>
               </a:rPr>
-              <a:t> </a:t>
-            </a:r>
-            <a:r>
-              <a:rPr lang="en-US" sz="6600" i="0" dirty="0" smtClean="0">
-                <a:solidFill>
-                  <a:srgbClr val="0000FF"/>
-                </a:solidFill>
-                <a:latin typeface="Comic Sans MS" pitchFamily="66" charset="0"/>
-              </a:rPr>
-              <a:t>       </a:t>
+              <a:t>        </a:t>
             </a:r>
             <a:r>
               <a:rPr lang="en-US" sz="6000" b="1" i="0" dirty="0" smtClean="0">
@@ -15693,16 +15606,7 @@
                 </a:solidFill>
                 <a:latin typeface="Comic Sans MS" pitchFamily="66" charset="0"/>
               </a:rPr>
-              <a:t> </a:t>
-            </a:r>
-            <a:r>
-              <a:rPr lang="en-US" sz="6000" i="0" dirty="0" smtClean="0">
-                <a:solidFill>
-                  <a:srgbClr val="0000FF"/>
-                </a:solidFill>
-                <a:latin typeface="Comic Sans MS" pitchFamily="66" charset="0"/>
-              </a:rPr>
-              <a:t>∑</a:t>
+              <a:t> ∑</a:t>
             </a:r>
             <a:r>
               <a:rPr lang="en-US" sz="6000" i="0" baseline="-25000" dirty="0" smtClean="0">
@@ -15781,16 +15685,7 @@
                 </a:solidFill>
                 <a:latin typeface="Comic Sans MS" pitchFamily="66" charset="0"/>
               </a:rPr>
-              <a:t>  </a:t>
-            </a:r>
-            <a:r>
-              <a:rPr lang="en-US" sz="6000" i="0" dirty="0" smtClean="0">
-                <a:solidFill>
-                  <a:srgbClr val="0000FF"/>
-                </a:solidFill>
-                <a:latin typeface="Comic Sans MS" pitchFamily="66" charset="0"/>
-              </a:rPr>
-              <a:t>        </a:t>
+              <a:t>          </a:t>
             </a:r>
             <a:endParaRPr lang="en-US" sz="6000" i="0" baseline="30000" dirty="0" smtClean="0">
               <a:solidFill>
@@ -15924,7 +15819,7 @@
           <a:graphicData uri="http://schemas.openxmlformats.org/presentationml/2006/ole">
             <mc:AlternateContent xmlns:mc="http://schemas.openxmlformats.org/markup-compatibility/2006">
               <mc:Choice xmlns:v="urn:schemas-microsoft-com:vml" Requires="v">
-                <p:oleObj spid="_x0000_s566280" name="Equation" r:id="rId4" imgW="660400" imgH="508000" progId="Equation.DSMT4">
+                <p:oleObj spid="_x0000_s566283" name="Equation" r:id="rId4" imgW="660400" imgH="508000" progId="Equation.DSMT4">
                   <p:embed/>
                 </p:oleObj>
               </mc:Choice>
@@ -15981,7 +15876,7 @@
           <a:graphicData uri="http://schemas.openxmlformats.org/presentationml/2006/ole">
             <mc:AlternateContent xmlns:mc="http://schemas.openxmlformats.org/markup-compatibility/2006">
               <mc:Choice xmlns:v="urn:schemas-microsoft-com:vml" Requires="v">
-                <p:oleObj spid="_x0000_s566281" name="Equation" r:id="rId6" imgW="304800" imgH="508000" progId="Equation.DSMT4">
+                <p:oleObj spid="_x0000_s566284" name="Equation" r:id="rId6" imgW="304800" imgH="508000" progId="Equation.DSMT4">
                   <p:embed/>
                 </p:oleObj>
               </mc:Choice>
@@ -16524,16 +16419,7 @@
                 </a:solidFill>
                 <a:latin typeface="Comic Sans MS" pitchFamily="66" charset="0"/>
               </a:rPr>
-              <a:t> </a:t>
-            </a:r>
-            <a:r>
-              <a:rPr lang="en-US" sz="6600" i="0" dirty="0" smtClean="0">
-                <a:solidFill>
-                  <a:srgbClr val="0000FF"/>
-                </a:solidFill>
-                <a:latin typeface="Comic Sans MS" pitchFamily="66" charset="0"/>
-              </a:rPr>
-              <a:t>       </a:t>
+              <a:t>        </a:t>
             </a:r>
             <a:r>
               <a:rPr lang="en-US" sz="6000" b="1" i="0" dirty="0" smtClean="0">
@@ -16552,16 +16438,7 @@
                 </a:solidFill>
                 <a:latin typeface="Comic Sans MS" pitchFamily="66" charset="0"/>
               </a:rPr>
-              <a:t> </a:t>
-            </a:r>
-            <a:r>
-              <a:rPr lang="en-US" sz="6000" i="0" dirty="0" smtClean="0">
-                <a:solidFill>
-                  <a:srgbClr val="0000FF"/>
-                </a:solidFill>
-                <a:latin typeface="Comic Sans MS" pitchFamily="66" charset="0"/>
-              </a:rPr>
-              <a:t>∑</a:t>
+              <a:t> ∑</a:t>
             </a:r>
             <a:r>
               <a:rPr lang="en-US" sz="6000" i="0" baseline="-25000" dirty="0" smtClean="0">
@@ -16640,16 +16517,7 @@
                 </a:solidFill>
                 <a:latin typeface="Comic Sans MS" pitchFamily="66" charset="0"/>
               </a:rPr>
-              <a:t>  </a:t>
-            </a:r>
-            <a:r>
-              <a:rPr lang="en-US" sz="6000" i="0" dirty="0" smtClean="0">
-                <a:solidFill>
-                  <a:srgbClr val="0000FF"/>
-                </a:solidFill>
-                <a:latin typeface="Comic Sans MS" pitchFamily="66" charset="0"/>
-              </a:rPr>
-              <a:t>       </a:t>
+              <a:t>         </a:t>
             </a:r>
             <a:r>
               <a:rPr lang="en-US" sz="6000" b="1" dirty="0" smtClean="0">
@@ -16668,16 +16536,7 @@
                 </a:solidFill>
                 <a:latin typeface="Comic Sans MS" pitchFamily="66" charset="0"/>
               </a:rPr>
-              <a:t> </a:t>
-            </a:r>
-            <a:r>
-              <a:rPr lang="en-US" sz="6000" i="0" dirty="0" smtClean="0">
-                <a:solidFill>
-                  <a:srgbClr val="0000FF"/>
-                </a:solidFill>
-                <a:latin typeface="Comic Sans MS" pitchFamily="66" charset="0"/>
-              </a:rPr>
-              <a:t>p ∑</a:t>
+              <a:t> p ∑</a:t>
             </a:r>
             <a:r>
               <a:rPr lang="en-US" sz="6000" i="0" baseline="-25000" dirty="0" smtClean="0">
@@ -16762,16 +16621,7 @@
                 </a:solidFill>
                 <a:latin typeface="Comic Sans MS" pitchFamily="66" charset="0"/>
               </a:rPr>
-              <a:t> </a:t>
-            </a:r>
-            <a:r>
-              <a:rPr lang="en-US" sz="6000" i="0" dirty="0" smtClean="0">
-                <a:solidFill>
-                  <a:srgbClr val="0000FF"/>
-                </a:solidFill>
-                <a:latin typeface="Comic Sans MS" pitchFamily="66" charset="0"/>
-              </a:rPr>
-              <a:t>p (1/(1-q)</a:t>
+              <a:t> p (1/(1-q)</a:t>
             </a:r>
             <a:r>
               <a:rPr lang="en-US" sz="6000" i="0" baseline="30000" dirty="0" smtClean="0">
